--- a/deep_learning_presentation.pptx
+++ b/deep_learning_presentation.pptx
@@ -7742,7 +7742,7 @@
           </a:pPr>
           <a:r>
             <a:rPr lang="en-US" dirty="0"/>
-            <a:t>Training set - 80% of the data (39665 records) </a:t>
+            <a:t>Training set - 80% of the data (39.665 records) </a:t>
           </a:r>
         </a:p>
       </dgm:t>
@@ -7783,7 +7783,7 @@
           </a:pPr>
           <a:r>
             <a:rPr lang="en-US" dirty="0"/>
-            <a:t>Test set - 20% of the data (9917 records)</a:t>
+            <a:t>Test set - 20% of the data (9.917 records)</a:t>
           </a:r>
         </a:p>
       </dgm:t>
@@ -11675,7 +11675,7 @@
           </a:pPr>
           <a:r>
             <a:rPr lang="en-US" sz="2500" kern="1200" dirty="0"/>
-            <a:t>Training set - 80% of the data (39665 records) </a:t>
+            <a:t>Training set - 80% of the data (39.665 records) </a:t>
           </a:r>
         </a:p>
       </dsp:txBody>
@@ -11835,7 +11835,7 @@
           </a:pPr>
           <a:r>
             <a:rPr lang="en-US" sz="2500" kern="1200" dirty="0"/>
-            <a:t>Test set - 20% of the data (9917 records)</a:t>
+            <a:t>Test set - 20% of the data (9.917 records)</a:t>
           </a:r>
         </a:p>
       </dsp:txBody>
@@ -28478,7 +28478,7 @@
             <p:ph idx="1"/>
             <p:extLst>
               <p:ext uri="{D42A27DB-BD31-4B8C-83A1-F6EECF244321}">
-                <p14:modId xmlns:p14="http://schemas.microsoft.com/office/powerpoint/2010/main" val="3432745294"/>
+                <p14:modId xmlns:p14="http://schemas.microsoft.com/office/powerpoint/2010/main" val="3900922893"/>
               </p:ext>
             </p:extLst>
           </p:nvPr>
@@ -32259,13 +32259,26 @@
         <p:spPr/>
         <p:txBody>
           <a:bodyPr>
-            <a:normAutofit/>
+            <a:normAutofit fontScale="90000"/>
           </a:bodyPr>
           <a:lstStyle/>
           <a:p>
             <a:r>
               <a:rPr lang="en-US" dirty="0"/>
               <a:t>Data cleaning and preprocessing</a:t>
+            </a:r>
+            <a:br>
+              <a:rPr lang="en-US" dirty="0"/>
+            </a:br>
+            <a:r>
+              <a:rPr lang="en-US" sz="4000" dirty="0">
+                <a:solidFill>
+                  <a:schemeClr val="accent2">
+                    <a:lumMod val="75000"/>
+                  </a:schemeClr>
+                </a:solidFill>
+              </a:rPr>
+              <a:t>Label transformation</a:t>
             </a:r>
             <a:endParaRPr lang="el-GR" dirty="0"/>
           </a:p>
